--- a/Report/Customer Segmentation.pptx
+++ b/Report/Customer Segmentation.pptx
@@ -5,7 +5,7 @@
     <p:sldMasterId id="2147483662" r:id="rId1"/>
   </p:sldMasterIdLst>
   <p:notesMasterIdLst>
-    <p:notesMasterId r:id="rId11"/>
+    <p:notesMasterId r:id="rId12"/>
   </p:notesMasterIdLst>
   <p:sldIdLst>
     <p:sldId id="256" r:id="rId2"/>
@@ -17,23 +17,24 @@
     <p:sldId id="293" r:id="rId8"/>
     <p:sldId id="294" r:id="rId9"/>
     <p:sldId id="295" r:id="rId10"/>
+    <p:sldId id="296" r:id="rId11"/>
   </p:sldIdLst>
   <p:sldSz cx="9144000" cy="5143500" type="screen16x9"/>
   <p:notesSz cx="6858000" cy="9144000"/>
   <p:embeddedFontLst>
     <p:embeddedFont>
       <p:font typeface="Fira Sans Extra Condensed Medium" panose="020B0604020202020204" charset="0"/>
-      <p:regular r:id="rId12"/>
-      <p:bold r:id="rId13"/>
-      <p:italic r:id="rId14"/>
-      <p:boldItalic r:id="rId15"/>
+      <p:regular r:id="rId13"/>
+      <p:bold r:id="rId14"/>
+      <p:italic r:id="rId15"/>
+      <p:boldItalic r:id="rId16"/>
     </p:embeddedFont>
     <p:embeddedFont>
       <p:font typeface="Roboto" panose="020B0604020202020204" charset="0"/>
-      <p:regular r:id="rId16"/>
-      <p:bold r:id="rId17"/>
-      <p:italic r:id="rId18"/>
-      <p:boldItalic r:id="rId19"/>
+      <p:regular r:id="rId17"/>
+      <p:bold r:id="rId18"/>
+      <p:italic r:id="rId19"/>
+      <p:boldItalic r:id="rId20"/>
     </p:embeddedFont>
   </p:embeddedFontLst>
   <p:defaultTextStyle>
@@ -271,6 +272,11 @@
         <p15:guide id="1" orient="horz" pos="1908" userDrawn="1">
           <p15:clr>
             <a:srgbClr val="9AA0A6"/>
+          </p15:clr>
+        </p15:guide>
+        <p15:guide id="2" pos="2880">
+          <p15:clr>
+            <a:srgbClr val="A4A3A4"/>
           </p15:clr>
         </p15:guide>
       </p15:sldGuideLst>
@@ -7771,6 +7777,276 @@
 </p:sld>
 </file>
 
+<file path=ppt/slides/slide10.xml><?xml version="1.0" encoding="utf-8"?>
+<p:sld xmlns:a="http://schemas.openxmlformats.org/drawingml/2006/main" xmlns:r="http://schemas.openxmlformats.org/officeDocument/2006/relationships" xmlns:p="http://schemas.openxmlformats.org/presentationml/2006/main">
+  <p:cSld>
+    <p:spTree>
+      <p:nvGrpSpPr>
+        <p:cNvPr id="1" name=""/>
+        <p:cNvGrpSpPr/>
+        <p:nvPr/>
+      </p:nvGrpSpPr>
+      <p:grpSpPr>
+        <a:xfrm>
+          <a:off x="0" y="0"/>
+          <a:ext cx="0" cy="0"/>
+          <a:chOff x="0" y="0"/>
+          <a:chExt cx="0" cy="0"/>
+        </a:xfrm>
+      </p:grpSpPr>
+      <p:sp>
+        <p:nvSpPr>
+          <p:cNvPr id="2" name="Title 1"/>
+          <p:cNvSpPr>
+            <a:spLocks noGrp="1"/>
+          </p:cNvSpPr>
+          <p:nvPr>
+            <p:ph type="title"/>
+          </p:nvPr>
+        </p:nvSpPr>
+        <p:spPr/>
+        <p:txBody>
+          <a:bodyPr/>
+          <a:lstStyle/>
+          <a:p>
+            <a:r>
+              <a:rPr lang="en-US" dirty="0" smtClean="0"/>
+              <a:t>ĐỀ XUẤT GIẢI PHÁP</a:t>
+            </a:r>
+            <a:endParaRPr lang="en-US" dirty="0"/>
+          </a:p>
+        </p:txBody>
+      </p:sp>
+      <p:sp>
+        <p:nvSpPr>
+          <p:cNvPr id="3" name="Rectangle 2"/>
+          <p:cNvSpPr/>
+          <p:nvPr/>
+        </p:nvSpPr>
+        <p:spPr>
+          <a:xfrm>
+            <a:off x="325583" y="913139"/>
+            <a:ext cx="8548253" cy="4154984"/>
+          </a:xfrm>
+          <a:prstGeom prst="rect">
+            <a:avLst/>
+          </a:prstGeom>
+        </p:spPr>
+        <p:txBody>
+          <a:bodyPr wrap="square">
+            <a:spAutoFit/>
+          </a:bodyPr>
+          <a:lstStyle/>
+          <a:p>
+            <a:pPr algn="just"/>
+            <a:r>
+              <a:rPr lang="vi-VN" sz="1200" dirty="0">
+                <a:solidFill>
+                  <a:srgbClr val="050E17"/>
+                </a:solidFill>
+                <a:latin typeface="Fira Sans Extra Condensed Medium" panose="020B0604020202020204" charset="0"/>
+              </a:rPr>
+              <a:t>Dựa trên kết quả phân tích </a:t>
+            </a:r>
+            <a:r>
+              <a:rPr lang="vi-VN" sz="1200" dirty="0" smtClean="0">
+                <a:solidFill>
+                  <a:srgbClr val="050E17"/>
+                </a:solidFill>
+                <a:latin typeface="Fira Sans Extra Condensed Medium" panose="020B0604020202020204" charset="0"/>
+              </a:rPr>
+              <a:t>RFM, </a:t>
+            </a:r>
+            <a:r>
+              <a:rPr lang="vi-VN" sz="1200" dirty="0">
+                <a:solidFill>
+                  <a:srgbClr val="050E17"/>
+                </a:solidFill>
+                <a:latin typeface="Fira Sans Extra Condensed Medium" panose="020B0604020202020204" charset="0"/>
+              </a:rPr>
+              <a:t>tôi đưa ra những đề xuất cụ thể và thiết thực hơn như sau:</a:t>
+            </a:r>
+          </a:p>
+          <a:p>
+            <a:pPr algn="just">
+              <a:buFont typeface="+mj-lt"/>
+              <a:buAutoNum type="arabicPeriod"/>
+            </a:pPr>
+            <a:r>
+              <a:rPr lang="vi-VN" sz="1200" dirty="0">
+                <a:solidFill>
+                  <a:srgbClr val="050E17"/>
+                </a:solidFill>
+                <a:latin typeface="Fira Sans Extra Condensed Medium" panose="020B0604020202020204" charset="0"/>
+              </a:rPr>
+              <a:t>Tối ưu hóa chiến lược giá cả và khuyến mãi để thu hút khách hàng mới: Để thu hút khách hàng mới, công ty có thể tối ưu hóa chiến lược giá cả và khuyến mãi bằng cách tăng cường việc giảm giá sản phẩm hoặc cung cấp mã giảm giá cho khách hàng mới. Ngoài ra, công ty có thể tạo ra các gói combo sản phẩm với giá ưu đãi để khách hàng dễ dàng lựa chọn và mua hàng</a:t>
+            </a:r>
+            <a:r>
+              <a:rPr lang="vi-VN" sz="1200" dirty="0" smtClean="0">
+                <a:solidFill>
+                  <a:srgbClr val="050E17"/>
+                </a:solidFill>
+                <a:latin typeface="Fira Sans Extra Condensed Medium" panose="020B0604020202020204" charset="0"/>
+              </a:rPr>
+              <a:t>.</a:t>
+            </a:r>
+            <a:endParaRPr lang="en-US" sz="1200" dirty="0" smtClean="0">
+              <a:solidFill>
+                <a:srgbClr val="050E17"/>
+              </a:solidFill>
+              <a:latin typeface="Fira Sans Extra Condensed Medium" panose="020B0604020202020204" charset="0"/>
+            </a:endParaRPr>
+          </a:p>
+          <a:p>
+            <a:pPr marL="228600" indent="-228600" algn="just">
+              <a:buFont typeface="+mj-lt"/>
+              <a:buAutoNum type="arabicPeriod"/>
+            </a:pPr>
+            <a:endParaRPr lang="vi-VN" sz="1200" dirty="0">
+              <a:solidFill>
+                <a:srgbClr val="050E17"/>
+              </a:solidFill>
+              <a:latin typeface="Fira Sans Extra Condensed Medium" panose="020B0604020202020204" charset="0"/>
+            </a:endParaRPr>
+          </a:p>
+          <a:p>
+            <a:pPr algn="just">
+              <a:buFont typeface="+mj-lt"/>
+              <a:buAutoNum type="arabicPeriod"/>
+            </a:pPr>
+            <a:r>
+              <a:rPr lang="vi-VN" sz="1200" dirty="0">
+                <a:solidFill>
+                  <a:srgbClr val="050E17"/>
+                </a:solidFill>
+                <a:latin typeface="Fira Sans Extra Condensed Medium" panose="020B0604020202020204" charset="0"/>
+              </a:rPr>
+              <a:t>Tăng cường quảng cáo và chăm sóc khách hàng đối với những khách hàng có giá trị cao trong phân tích RFM: Để duy trì và tăng cường mức độ trung thành của những khách hàng có giá trị cao, công ty có thể tăng cường quảng cáo và chăm sóc khách hàng bằng cách cung cấp dịch vụ chăm sóc khách hàng chuyên nghiệp và giải đáp thắc mắc của khách hàng nhanh chóng. Hơn nữa, công ty có thể gửi thư cảm ơn và giảm giá sản phẩm cho những khách hàng có giá trị cao để tạo động lực và duy trì mức độ trung thành của họ</a:t>
+            </a:r>
+            <a:r>
+              <a:rPr lang="vi-VN" sz="1200" dirty="0" smtClean="0">
+                <a:solidFill>
+                  <a:srgbClr val="050E17"/>
+                </a:solidFill>
+                <a:latin typeface="Fira Sans Extra Condensed Medium" panose="020B0604020202020204" charset="0"/>
+              </a:rPr>
+              <a:t>.</a:t>
+            </a:r>
+          </a:p>
+          <a:p>
+            <a:pPr marL="228600" indent="-228600" algn="just">
+              <a:buFont typeface="+mj-lt"/>
+              <a:buAutoNum type="arabicPeriod"/>
+            </a:pPr>
+            <a:endParaRPr lang="vi-VN" sz="1200" dirty="0" smtClean="0">
+              <a:solidFill>
+                <a:srgbClr val="050E17"/>
+              </a:solidFill>
+              <a:latin typeface="Fira Sans Extra Condensed Medium" panose="020B0604020202020204" charset="0"/>
+            </a:endParaRPr>
+          </a:p>
+          <a:p>
+            <a:pPr algn="just">
+              <a:buFont typeface="+mj-lt"/>
+              <a:buAutoNum type="arabicPeriod"/>
+            </a:pPr>
+            <a:r>
+              <a:rPr lang="vi-VN" sz="1200" dirty="0" smtClean="0">
+                <a:solidFill>
+                  <a:srgbClr val="050E17"/>
+                </a:solidFill>
+                <a:latin typeface="Fira Sans Extra Condensed Medium" panose="020B0604020202020204" charset="0"/>
+              </a:rPr>
+              <a:t>Phát triển kênh bán hàng trực tuyến: Với xu hướng mua sắm trực tuyến ngày càng tăng, công ty có thể phát triển kênh bán hàng trực tuyến để thu hút khách hàng mới và tăng cường mức độ tiện lợi cho khách hàng. Ngoài ra, công ty cần tăng cường khả năng quản lý và cập nhật thông tin sản phẩm trên website để khách hàng dễ dàng tìm kiếm và mua hàng.</a:t>
+            </a:r>
+            <a:endParaRPr lang="en-US" sz="1200" dirty="0" smtClean="0">
+              <a:solidFill>
+                <a:srgbClr val="050E17"/>
+              </a:solidFill>
+              <a:latin typeface="Fira Sans Extra Condensed Medium" panose="020B0604020202020204" charset="0"/>
+            </a:endParaRPr>
+          </a:p>
+          <a:p>
+            <a:pPr marL="228600" indent="-228600" algn="just">
+              <a:buFont typeface="+mj-lt"/>
+              <a:buAutoNum type="arabicPeriod"/>
+            </a:pPr>
+            <a:endParaRPr lang="vi-VN" sz="1200" dirty="0" smtClean="0">
+              <a:solidFill>
+                <a:srgbClr val="050E17"/>
+              </a:solidFill>
+              <a:latin typeface="Fira Sans Extra Condensed Medium" panose="020B0604020202020204" charset="0"/>
+            </a:endParaRPr>
+          </a:p>
+          <a:p>
+            <a:pPr algn="just">
+              <a:buFont typeface="+mj-lt"/>
+              <a:buAutoNum type="arabicPeriod"/>
+            </a:pPr>
+            <a:r>
+              <a:rPr lang="vi-VN" sz="1200" dirty="0" smtClean="0">
+                <a:solidFill>
+                  <a:srgbClr val="050E17"/>
+                </a:solidFill>
+                <a:latin typeface="Fira Sans Extra Condensed Medium" panose="020B0604020202020204" charset="0"/>
+              </a:rPr>
+              <a:t>Tối ưu hóa quản lý hàng tồn kho: Công ty có thể tối ưu hóa quản lý hàng tồn kho bằng cách áp dụng phương pháp quản lý chuỗi cung ứng (Supply Chain Management) để giảm thiểu chi phí và tăng hiệu quả kinh doanh. Ngoài ra, công ty cần đưa ra các chính sách khuyến khích khách hàng mua những sản phẩm có xu hướng tồn kho lâu bằng cách giảm giá hoặc cung cấp các ưu đãi đặc biệt.</a:t>
+            </a:r>
+            <a:endParaRPr lang="en-US" sz="1200" dirty="0" smtClean="0">
+              <a:solidFill>
+                <a:srgbClr val="050E17"/>
+              </a:solidFill>
+              <a:latin typeface="Fira Sans Extra Condensed Medium" panose="020B0604020202020204" charset="0"/>
+            </a:endParaRPr>
+          </a:p>
+          <a:p>
+            <a:pPr marL="228600" indent="-228600" algn="just">
+              <a:buFont typeface="+mj-lt"/>
+              <a:buAutoNum type="arabicPeriod"/>
+            </a:pPr>
+            <a:endParaRPr lang="vi-VN" sz="1200" dirty="0" smtClean="0">
+              <a:solidFill>
+                <a:srgbClr val="050E17"/>
+              </a:solidFill>
+              <a:latin typeface="Fira Sans Extra Condensed Medium" panose="020B0604020202020204" charset="0"/>
+            </a:endParaRPr>
+          </a:p>
+          <a:p>
+            <a:pPr algn="just">
+              <a:buFont typeface="+mj-lt"/>
+              <a:buAutoNum type="arabicPeriod"/>
+            </a:pPr>
+            <a:r>
+              <a:rPr lang="vi-VN" sz="1200" dirty="0" smtClean="0">
+                <a:solidFill>
+                  <a:srgbClr val="050E17"/>
+                </a:solidFill>
+                <a:latin typeface="Fira Sans Extra Condensed Medium" panose="020B0604020202020204" charset="0"/>
+              </a:rPr>
+              <a:t>Tăng cường khả năng xử lý đơn hàng và giao hàng nhanh chóng: Để cải thiện trải nghiệm của khách hàng và tăng cường mức độ trung thành của họ, công ty cần tăng cường khả năng xử lý đơn hàng và giao hàng nhanh chóng bằng cách áp dụng công nghệ tiên tiến trong quản lý và vận chuyển hàng hóa. Ngoài ra, công ty cần thông báo cho khách hàng về thời gian giao hàng dự kiến và cung cấp thông tin vận chuyển của đơn hàng để khách hàng có thể theo dõi và kiểm tra trạng thái đơn hàng một cách dễ dàng.</a:t>
+            </a:r>
+            <a:endParaRPr lang="vi-VN" sz="1200" dirty="0">
+              <a:solidFill>
+                <a:srgbClr val="050E17"/>
+              </a:solidFill>
+              <a:latin typeface="Fira Sans Extra Condensed Medium" panose="020B0604020202020204" charset="0"/>
+            </a:endParaRPr>
+          </a:p>
+        </p:txBody>
+      </p:sp>
+    </p:spTree>
+    <p:extLst>
+      <p:ext uri="{BB962C8B-B14F-4D97-AF65-F5344CB8AC3E}">
+        <p14:creationId xmlns:p14="http://schemas.microsoft.com/office/powerpoint/2010/main" val="3450074898"/>
+      </p:ext>
+    </p:extLst>
+  </p:cSld>
+  <p:clrMapOvr>
+    <a:masterClrMapping/>
+  </p:clrMapOvr>
+</p:sld>
+</file>
+
 <file path=ppt/slides/slide2.xml><?xml version="1.0" encoding="utf-8"?>
 <p:sld xmlns:a="http://schemas.openxmlformats.org/drawingml/2006/main" xmlns:r="http://schemas.openxmlformats.org/officeDocument/2006/relationships" xmlns:p="http://schemas.openxmlformats.org/presentationml/2006/main">
   <p:cSld>

--- a/Report/Customer Segmentation.pptx
+++ b/Report/Customer Segmentation.pptx
@@ -5,36 +5,45 @@
     <p:sldMasterId id="2147483662" r:id="rId1"/>
   </p:sldMasterIdLst>
   <p:notesMasterIdLst>
-    <p:notesMasterId r:id="rId12"/>
+    <p:notesMasterId r:id="rId21"/>
   </p:notesMasterIdLst>
   <p:sldIdLst>
     <p:sldId id="256" r:id="rId2"/>
-    <p:sldId id="257" r:id="rId3"/>
-    <p:sldId id="289" r:id="rId4"/>
-    <p:sldId id="291" r:id="rId5"/>
-    <p:sldId id="290" r:id="rId6"/>
-    <p:sldId id="292" r:id="rId7"/>
-    <p:sldId id="293" r:id="rId8"/>
-    <p:sldId id="294" r:id="rId9"/>
-    <p:sldId id="295" r:id="rId10"/>
-    <p:sldId id="296" r:id="rId11"/>
+    <p:sldId id="297" r:id="rId3"/>
+    <p:sldId id="298" r:id="rId4"/>
+    <p:sldId id="303" r:id="rId5"/>
+    <p:sldId id="299" r:id="rId6"/>
+    <p:sldId id="300" r:id="rId7"/>
+    <p:sldId id="304" r:id="rId8"/>
+    <p:sldId id="305" r:id="rId9"/>
+    <p:sldId id="301" r:id="rId10"/>
+    <p:sldId id="302" r:id="rId11"/>
+    <p:sldId id="257" r:id="rId12"/>
+    <p:sldId id="289" r:id="rId13"/>
+    <p:sldId id="291" r:id="rId14"/>
+    <p:sldId id="290" r:id="rId15"/>
+    <p:sldId id="292" r:id="rId16"/>
+    <p:sldId id="293" r:id="rId17"/>
+    <p:sldId id="294" r:id="rId18"/>
+    <p:sldId id="295" r:id="rId19"/>
+    <p:sldId id="296" r:id="rId20"/>
   </p:sldIdLst>
   <p:sldSz cx="9144000" cy="5143500" type="screen16x9"/>
   <p:notesSz cx="6858000" cy="9144000"/>
   <p:embeddedFontLst>
     <p:embeddedFont>
       <p:font typeface="Fira Sans Extra Condensed Medium" panose="020B0604020202020204" charset="0"/>
-      <p:regular r:id="rId13"/>
-      <p:bold r:id="rId14"/>
-      <p:italic r:id="rId15"/>
-      <p:boldItalic r:id="rId16"/>
+      <p:regular r:id="rId22"/>
+      <p:bold r:id="rId23"/>
+      <p:italic r:id="rId24"/>
+      <p:boldItalic r:id="rId25"/>
     </p:embeddedFont>
     <p:embeddedFont>
       <p:font typeface="Roboto" panose="020B0604020202020204" charset="0"/>
-      <p:regular r:id="rId17"/>
-      <p:bold r:id="rId18"/>
-      <p:italic r:id="rId19"/>
-      <p:boldItalic r:id="rId20"/>
+      <p:regular r:id="rId26"/>
+      <p:bold r:id="rId27"/>
+      <p:italic r:id="rId28"/>
+      <p:boldItalic r:id="rId29"/>
     </p:embeddedFont>
   </p:embeddedFontLst>
   <p:defaultTextStyle>
@@ -7794,250 +7803,34 @@
           <a:chExt cx="0" cy="0"/>
         </a:xfrm>
       </p:grpSpPr>
-      <p:sp>
-        <p:nvSpPr>
-          <p:cNvPr id="2" name="Title 1"/>
-          <p:cNvSpPr>
-            <a:spLocks noGrp="1"/>
-          </p:cNvSpPr>
-          <p:nvPr>
-            <p:ph type="title"/>
-          </p:nvPr>
-        </p:nvSpPr>
-        <p:spPr/>
-        <p:txBody>
-          <a:bodyPr/>
-          <a:lstStyle/>
-          <a:p>
-            <a:r>
-              <a:rPr lang="en-US" dirty="0" smtClean="0"/>
-              <a:t>ĐỀ XUẤT GIẢI PHÁP</a:t>
-            </a:r>
-            <a:endParaRPr lang="en-US" dirty="0"/>
-          </a:p>
-        </p:txBody>
-      </p:sp>
-      <p:sp>
-        <p:nvSpPr>
-          <p:cNvPr id="3" name="Rectangle 2"/>
-          <p:cNvSpPr/>
+      <p:pic>
+        <p:nvPicPr>
+          <p:cNvPr id="3" name="Picture 2"/>
+          <p:cNvPicPr>
+            <a:picLocks noChangeAspect="1"/>
+          </p:cNvPicPr>
           <p:nvPr/>
-        </p:nvSpPr>
+        </p:nvPicPr>
+        <p:blipFill>
+          <a:blip r:embed="rId2"/>
+          <a:stretch>
+            <a:fillRect/>
+          </a:stretch>
+        </p:blipFill>
         <p:spPr>
           <a:xfrm>
-            <a:off x="325583" y="913139"/>
-            <a:ext cx="8548253" cy="4154984"/>
+            <a:off x="648394" y="801693"/>
+            <a:ext cx="5534185" cy="2907792"/>
           </a:xfrm>
           <a:prstGeom prst="rect">
             <a:avLst/>
           </a:prstGeom>
         </p:spPr>
-        <p:txBody>
-          <a:bodyPr wrap="square">
-            <a:spAutoFit/>
-          </a:bodyPr>
-          <a:lstStyle/>
-          <a:p>
-            <a:pPr algn="just"/>
-            <a:r>
-              <a:rPr lang="vi-VN" sz="1200" dirty="0">
-                <a:solidFill>
-                  <a:srgbClr val="050E17"/>
-                </a:solidFill>
-                <a:latin typeface="Fira Sans Extra Condensed Medium" panose="020B0604020202020204" charset="0"/>
-              </a:rPr>
-              <a:t>Dựa trên kết quả phân tích </a:t>
-            </a:r>
-            <a:r>
-              <a:rPr lang="vi-VN" sz="1200" dirty="0" smtClean="0">
-                <a:solidFill>
-                  <a:srgbClr val="050E17"/>
-                </a:solidFill>
-                <a:latin typeface="Fira Sans Extra Condensed Medium" panose="020B0604020202020204" charset="0"/>
-              </a:rPr>
-              <a:t>RFM, </a:t>
-            </a:r>
-            <a:r>
-              <a:rPr lang="vi-VN" sz="1200" dirty="0">
-                <a:solidFill>
-                  <a:srgbClr val="050E17"/>
-                </a:solidFill>
-                <a:latin typeface="Fira Sans Extra Condensed Medium" panose="020B0604020202020204" charset="0"/>
-              </a:rPr>
-              <a:t>tôi đưa ra những đề xuất cụ thể và thiết thực hơn như sau:</a:t>
-            </a:r>
-          </a:p>
-          <a:p>
-            <a:pPr algn="just">
-              <a:buFont typeface="+mj-lt"/>
-              <a:buAutoNum type="arabicPeriod"/>
-            </a:pPr>
-            <a:r>
-              <a:rPr lang="vi-VN" sz="1200" dirty="0">
-                <a:solidFill>
-                  <a:srgbClr val="050E17"/>
-                </a:solidFill>
-                <a:latin typeface="Fira Sans Extra Condensed Medium" panose="020B0604020202020204" charset="0"/>
-              </a:rPr>
-              <a:t>Tối ưu hóa chiến lược giá cả và khuyến mãi để thu hút khách hàng mới: Để thu hút khách hàng mới, công ty có thể tối ưu hóa chiến lược giá cả và khuyến mãi bằng cách tăng cường việc giảm giá sản phẩm hoặc cung cấp mã giảm giá cho khách hàng mới. Ngoài ra, công ty có thể tạo ra các gói combo sản phẩm với giá ưu đãi để khách hàng dễ dàng lựa chọn và mua hàng</a:t>
-            </a:r>
-            <a:r>
-              <a:rPr lang="vi-VN" sz="1200" dirty="0" smtClean="0">
-                <a:solidFill>
-                  <a:srgbClr val="050E17"/>
-                </a:solidFill>
-                <a:latin typeface="Fira Sans Extra Condensed Medium" panose="020B0604020202020204" charset="0"/>
-              </a:rPr>
-              <a:t>.</a:t>
-            </a:r>
-            <a:endParaRPr lang="en-US" sz="1200" dirty="0" smtClean="0">
-              <a:solidFill>
-                <a:srgbClr val="050E17"/>
-              </a:solidFill>
-              <a:latin typeface="Fira Sans Extra Condensed Medium" panose="020B0604020202020204" charset="0"/>
-            </a:endParaRPr>
-          </a:p>
-          <a:p>
-            <a:pPr marL="228600" indent="-228600" algn="just">
-              <a:buFont typeface="+mj-lt"/>
-              <a:buAutoNum type="arabicPeriod"/>
-            </a:pPr>
-            <a:endParaRPr lang="vi-VN" sz="1200" dirty="0">
-              <a:solidFill>
-                <a:srgbClr val="050E17"/>
-              </a:solidFill>
-              <a:latin typeface="Fira Sans Extra Condensed Medium" panose="020B0604020202020204" charset="0"/>
-            </a:endParaRPr>
-          </a:p>
-          <a:p>
-            <a:pPr algn="just">
-              <a:buFont typeface="+mj-lt"/>
-              <a:buAutoNum type="arabicPeriod"/>
-            </a:pPr>
-            <a:r>
-              <a:rPr lang="vi-VN" sz="1200" dirty="0">
-                <a:solidFill>
-                  <a:srgbClr val="050E17"/>
-                </a:solidFill>
-                <a:latin typeface="Fira Sans Extra Condensed Medium" panose="020B0604020202020204" charset="0"/>
-              </a:rPr>
-              <a:t>Tăng cường quảng cáo và chăm sóc khách hàng đối với những khách hàng có giá trị cao trong phân tích RFM: Để duy trì và tăng cường mức độ trung thành của những khách hàng có giá trị cao, công ty có thể tăng cường quảng cáo và chăm sóc khách hàng bằng cách cung cấp dịch vụ chăm sóc khách hàng chuyên nghiệp và giải đáp thắc mắc của khách hàng nhanh chóng. Hơn nữa, công ty có thể gửi thư cảm ơn và giảm giá sản phẩm cho những khách hàng có giá trị cao để tạo động lực và duy trì mức độ trung thành của họ</a:t>
-            </a:r>
-            <a:r>
-              <a:rPr lang="vi-VN" sz="1200" dirty="0" smtClean="0">
-                <a:solidFill>
-                  <a:srgbClr val="050E17"/>
-                </a:solidFill>
-                <a:latin typeface="Fira Sans Extra Condensed Medium" panose="020B0604020202020204" charset="0"/>
-              </a:rPr>
-              <a:t>.</a:t>
-            </a:r>
-          </a:p>
-          <a:p>
-            <a:pPr marL="228600" indent="-228600" algn="just">
-              <a:buFont typeface="+mj-lt"/>
-              <a:buAutoNum type="arabicPeriod"/>
-            </a:pPr>
-            <a:endParaRPr lang="vi-VN" sz="1200" dirty="0" smtClean="0">
-              <a:solidFill>
-                <a:srgbClr val="050E17"/>
-              </a:solidFill>
-              <a:latin typeface="Fira Sans Extra Condensed Medium" panose="020B0604020202020204" charset="0"/>
-            </a:endParaRPr>
-          </a:p>
-          <a:p>
-            <a:pPr algn="just">
-              <a:buFont typeface="+mj-lt"/>
-              <a:buAutoNum type="arabicPeriod"/>
-            </a:pPr>
-            <a:r>
-              <a:rPr lang="vi-VN" sz="1200" dirty="0" smtClean="0">
-                <a:solidFill>
-                  <a:srgbClr val="050E17"/>
-                </a:solidFill>
-                <a:latin typeface="Fira Sans Extra Condensed Medium" panose="020B0604020202020204" charset="0"/>
-              </a:rPr>
-              <a:t>Phát triển kênh bán hàng trực tuyến: Với xu hướng mua sắm trực tuyến ngày càng tăng, công ty có thể phát triển kênh bán hàng trực tuyến để thu hút khách hàng mới và tăng cường mức độ tiện lợi cho khách hàng. Ngoài ra, công ty cần tăng cường khả năng quản lý và cập nhật thông tin sản phẩm trên website để khách hàng dễ dàng tìm kiếm và mua hàng.</a:t>
-            </a:r>
-            <a:endParaRPr lang="en-US" sz="1200" dirty="0" smtClean="0">
-              <a:solidFill>
-                <a:srgbClr val="050E17"/>
-              </a:solidFill>
-              <a:latin typeface="Fira Sans Extra Condensed Medium" panose="020B0604020202020204" charset="0"/>
-            </a:endParaRPr>
-          </a:p>
-          <a:p>
-            <a:pPr marL="228600" indent="-228600" algn="just">
-              <a:buFont typeface="+mj-lt"/>
-              <a:buAutoNum type="arabicPeriod"/>
-            </a:pPr>
-            <a:endParaRPr lang="vi-VN" sz="1200" dirty="0" smtClean="0">
-              <a:solidFill>
-                <a:srgbClr val="050E17"/>
-              </a:solidFill>
-              <a:latin typeface="Fira Sans Extra Condensed Medium" panose="020B0604020202020204" charset="0"/>
-            </a:endParaRPr>
-          </a:p>
-          <a:p>
-            <a:pPr algn="just">
-              <a:buFont typeface="+mj-lt"/>
-              <a:buAutoNum type="arabicPeriod"/>
-            </a:pPr>
-            <a:r>
-              <a:rPr lang="vi-VN" sz="1200" dirty="0" smtClean="0">
-                <a:solidFill>
-                  <a:srgbClr val="050E17"/>
-                </a:solidFill>
-                <a:latin typeface="Fira Sans Extra Condensed Medium" panose="020B0604020202020204" charset="0"/>
-              </a:rPr>
-              <a:t>Tối ưu hóa quản lý hàng tồn kho: Công ty có thể tối ưu hóa quản lý hàng tồn kho bằng cách áp dụng phương pháp quản lý chuỗi cung ứng (Supply Chain Management) để giảm thiểu chi phí và tăng hiệu quả kinh doanh. Ngoài ra, công ty cần đưa ra các chính sách khuyến khích khách hàng mua những sản phẩm có xu hướng tồn kho lâu bằng cách giảm giá hoặc cung cấp các ưu đãi đặc biệt.</a:t>
-            </a:r>
-            <a:endParaRPr lang="en-US" sz="1200" dirty="0" smtClean="0">
-              <a:solidFill>
-                <a:srgbClr val="050E17"/>
-              </a:solidFill>
-              <a:latin typeface="Fira Sans Extra Condensed Medium" panose="020B0604020202020204" charset="0"/>
-            </a:endParaRPr>
-          </a:p>
-          <a:p>
-            <a:pPr marL="228600" indent="-228600" algn="just">
-              <a:buFont typeface="+mj-lt"/>
-              <a:buAutoNum type="arabicPeriod"/>
-            </a:pPr>
-            <a:endParaRPr lang="vi-VN" sz="1200" dirty="0" smtClean="0">
-              <a:solidFill>
-                <a:srgbClr val="050E17"/>
-              </a:solidFill>
-              <a:latin typeface="Fira Sans Extra Condensed Medium" panose="020B0604020202020204" charset="0"/>
-            </a:endParaRPr>
-          </a:p>
-          <a:p>
-            <a:pPr algn="just">
-              <a:buFont typeface="+mj-lt"/>
-              <a:buAutoNum type="arabicPeriod"/>
-            </a:pPr>
-            <a:r>
-              <a:rPr lang="vi-VN" sz="1200" dirty="0" smtClean="0">
-                <a:solidFill>
-                  <a:srgbClr val="050E17"/>
-                </a:solidFill>
-                <a:latin typeface="Fira Sans Extra Condensed Medium" panose="020B0604020202020204" charset="0"/>
-              </a:rPr>
-              <a:t>Tăng cường khả năng xử lý đơn hàng và giao hàng nhanh chóng: Để cải thiện trải nghiệm của khách hàng và tăng cường mức độ trung thành của họ, công ty cần tăng cường khả năng xử lý đơn hàng và giao hàng nhanh chóng bằng cách áp dụng công nghệ tiên tiến trong quản lý và vận chuyển hàng hóa. Ngoài ra, công ty cần thông báo cho khách hàng về thời gian giao hàng dự kiến và cung cấp thông tin vận chuyển của đơn hàng để khách hàng có thể theo dõi và kiểm tra trạng thái đơn hàng một cách dễ dàng.</a:t>
-            </a:r>
-            <a:endParaRPr lang="vi-VN" sz="1200" dirty="0">
-              <a:solidFill>
-                <a:srgbClr val="050E17"/>
-              </a:solidFill>
-              <a:latin typeface="Fira Sans Extra Condensed Medium" panose="020B0604020202020204" charset="0"/>
-            </a:endParaRPr>
-          </a:p>
-        </p:txBody>
-      </p:sp>
+      </p:pic>
     </p:spTree>
     <p:extLst>
       <p:ext uri="{BB962C8B-B14F-4D97-AF65-F5344CB8AC3E}">
-        <p14:creationId xmlns:p14="http://schemas.microsoft.com/office/powerpoint/2010/main" val="3450074898"/>
+        <p14:creationId xmlns:p14="http://schemas.microsoft.com/office/powerpoint/2010/main" val="2542489680"/>
       </p:ext>
     </p:extLst>
   </p:cSld>
@@ -8047,7 +7840,7 @@
 </p:sld>
 </file>
 
-<file path=ppt/slides/slide2.xml><?xml version="1.0" encoding="utf-8"?>
+<file path=ppt/slides/slide11.xml><?xml version="1.0" encoding="utf-8"?>
 <p:sld xmlns:a="http://schemas.openxmlformats.org/drawingml/2006/main" xmlns:r="http://schemas.openxmlformats.org/officeDocument/2006/relationships" xmlns:p="http://schemas.openxmlformats.org/presentationml/2006/main">
   <p:cSld>
     <p:spTree>
@@ -8169,7 +7962,7 @@
 </p:sld>
 </file>
 
-<file path=ppt/slides/slide3.xml><?xml version="1.0" encoding="utf-8"?>
+<file path=ppt/slides/slide12.xml><?xml version="1.0" encoding="utf-8"?>
 <p:sld xmlns:a="http://schemas.openxmlformats.org/drawingml/2006/main" xmlns:r="http://schemas.openxmlformats.org/officeDocument/2006/relationships" xmlns:p="http://schemas.openxmlformats.org/presentationml/2006/main">
   <p:cSld>
     <p:spTree>
@@ -8460,7 +8253,7 @@
 </p:sld>
 </file>
 
-<file path=ppt/slides/slide4.xml><?xml version="1.0" encoding="utf-8"?>
+<file path=ppt/slides/slide13.xml><?xml version="1.0" encoding="utf-8"?>
 <p:sld xmlns:a="http://schemas.openxmlformats.org/drawingml/2006/main" xmlns:r="http://schemas.openxmlformats.org/officeDocument/2006/relationships" xmlns:p="http://schemas.openxmlformats.org/presentationml/2006/main">
   <p:cSld>
     <p:spTree>
@@ -9015,7 +8808,7 @@
 </p:sld>
 </file>
 
-<file path=ppt/slides/slide5.xml><?xml version="1.0" encoding="utf-8"?>
+<file path=ppt/slides/slide14.xml><?xml version="1.0" encoding="utf-8"?>
 <p:sld xmlns:a="http://schemas.openxmlformats.org/drawingml/2006/main" xmlns:r="http://schemas.openxmlformats.org/officeDocument/2006/relationships" xmlns:p="http://schemas.openxmlformats.org/presentationml/2006/main">
   <p:cSld>
     <p:spTree>
@@ -9135,7 +8928,7 @@
 </p:sld>
 </file>
 
-<file path=ppt/slides/slide6.xml><?xml version="1.0" encoding="utf-8"?>
+<file path=ppt/slides/slide15.xml><?xml version="1.0" encoding="utf-8"?>
 <p:sld xmlns:a="http://schemas.openxmlformats.org/drawingml/2006/main" xmlns:r="http://schemas.openxmlformats.org/officeDocument/2006/relationships" xmlns:p="http://schemas.openxmlformats.org/presentationml/2006/main">
   <p:cSld>
     <p:spTree>
@@ -9248,7 +9041,7 @@
 </p:sld>
 </file>
 
-<file path=ppt/slides/slide7.xml><?xml version="1.0" encoding="utf-8"?>
+<file path=ppt/slides/slide16.xml><?xml version="1.0" encoding="utf-8"?>
 <p:sld xmlns:a="http://schemas.openxmlformats.org/drawingml/2006/main" xmlns:r="http://schemas.openxmlformats.org/officeDocument/2006/relationships" xmlns:p="http://schemas.openxmlformats.org/presentationml/2006/main">
   <p:cSld>
     <p:spTree>
@@ -9449,7 +9242,7 @@
 </p:sld>
 </file>
 
-<file path=ppt/slides/slide8.xml><?xml version="1.0" encoding="utf-8"?>
+<file path=ppt/slides/slide17.xml><?xml version="1.0" encoding="utf-8"?>
 <p:sld xmlns:a="http://schemas.openxmlformats.org/drawingml/2006/main" xmlns:r="http://schemas.openxmlformats.org/officeDocument/2006/relationships" xmlns:p="http://schemas.openxmlformats.org/presentationml/2006/main">
   <p:cSld>
     <p:spTree>
@@ -9561,7 +9354,7 @@
 </p:sld>
 </file>
 
-<file path=ppt/slides/slide9.xml><?xml version="1.0" encoding="utf-8"?>
+<file path=ppt/slides/slide18.xml><?xml version="1.0" encoding="utf-8"?>
 <p:sld xmlns:a="http://schemas.openxmlformats.org/drawingml/2006/main" xmlns:r="http://schemas.openxmlformats.org/officeDocument/2006/relationships" xmlns:p="http://schemas.openxmlformats.org/presentationml/2006/main">
   <p:cSld>
     <p:spTree>
@@ -9844,6 +9637,1116 @@
       </p:par>
     </p:tnLst>
   </p:timing>
+</p:sld>
+</file>
+
+<file path=ppt/slides/slide19.xml><?xml version="1.0" encoding="utf-8"?>
+<p:sld xmlns:a="http://schemas.openxmlformats.org/drawingml/2006/main" xmlns:r="http://schemas.openxmlformats.org/officeDocument/2006/relationships" xmlns:p="http://schemas.openxmlformats.org/presentationml/2006/main">
+  <p:cSld>
+    <p:spTree>
+      <p:nvGrpSpPr>
+        <p:cNvPr id="1" name=""/>
+        <p:cNvGrpSpPr/>
+        <p:nvPr/>
+      </p:nvGrpSpPr>
+      <p:grpSpPr>
+        <a:xfrm>
+          <a:off x="0" y="0"/>
+          <a:ext cx="0" cy="0"/>
+          <a:chOff x="0" y="0"/>
+          <a:chExt cx="0" cy="0"/>
+        </a:xfrm>
+      </p:grpSpPr>
+      <p:sp>
+        <p:nvSpPr>
+          <p:cNvPr id="2" name="Title 1"/>
+          <p:cNvSpPr>
+            <a:spLocks noGrp="1"/>
+          </p:cNvSpPr>
+          <p:nvPr>
+            <p:ph type="title"/>
+          </p:nvPr>
+        </p:nvSpPr>
+        <p:spPr/>
+        <p:txBody>
+          <a:bodyPr/>
+          <a:lstStyle/>
+          <a:p>
+            <a:r>
+              <a:rPr lang="en-US" dirty="0" smtClean="0"/>
+              <a:t>ĐỀ XUẤT GIẢI PHÁP</a:t>
+            </a:r>
+            <a:endParaRPr lang="en-US" dirty="0"/>
+          </a:p>
+        </p:txBody>
+      </p:sp>
+      <p:sp>
+        <p:nvSpPr>
+          <p:cNvPr id="3" name="Rectangle 2"/>
+          <p:cNvSpPr/>
+          <p:nvPr/>
+        </p:nvSpPr>
+        <p:spPr>
+          <a:xfrm>
+            <a:off x="325583" y="913139"/>
+            <a:ext cx="8548253" cy="4154984"/>
+          </a:xfrm>
+          <a:prstGeom prst="rect">
+            <a:avLst/>
+          </a:prstGeom>
+        </p:spPr>
+        <p:txBody>
+          <a:bodyPr wrap="square">
+            <a:spAutoFit/>
+          </a:bodyPr>
+          <a:lstStyle/>
+          <a:p>
+            <a:pPr algn="just"/>
+            <a:r>
+              <a:rPr lang="vi-VN" sz="1200" dirty="0">
+                <a:solidFill>
+                  <a:srgbClr val="050E17"/>
+                </a:solidFill>
+                <a:latin typeface="Fira Sans Extra Condensed Medium" panose="020B0604020202020204" charset="0"/>
+              </a:rPr>
+              <a:t>Dựa trên kết quả phân tích </a:t>
+            </a:r>
+            <a:r>
+              <a:rPr lang="vi-VN" sz="1200" dirty="0" smtClean="0">
+                <a:solidFill>
+                  <a:srgbClr val="050E17"/>
+                </a:solidFill>
+                <a:latin typeface="Fira Sans Extra Condensed Medium" panose="020B0604020202020204" charset="0"/>
+              </a:rPr>
+              <a:t>RFM, </a:t>
+            </a:r>
+            <a:r>
+              <a:rPr lang="vi-VN" sz="1200" dirty="0">
+                <a:solidFill>
+                  <a:srgbClr val="050E17"/>
+                </a:solidFill>
+                <a:latin typeface="Fira Sans Extra Condensed Medium" panose="020B0604020202020204" charset="0"/>
+              </a:rPr>
+              <a:t>tôi đưa ra những đề xuất cụ thể và thiết thực hơn như sau:</a:t>
+            </a:r>
+          </a:p>
+          <a:p>
+            <a:pPr algn="just">
+              <a:buFont typeface="+mj-lt"/>
+              <a:buAutoNum type="arabicPeriod"/>
+            </a:pPr>
+            <a:r>
+              <a:rPr lang="vi-VN" sz="1200" dirty="0">
+                <a:solidFill>
+                  <a:srgbClr val="050E17"/>
+                </a:solidFill>
+                <a:latin typeface="Fira Sans Extra Condensed Medium" panose="020B0604020202020204" charset="0"/>
+              </a:rPr>
+              <a:t>Tối ưu hóa chiến lược giá cả và khuyến mãi để thu hút khách hàng mới: Để thu hút khách hàng mới, công ty có thể tối ưu hóa chiến lược giá cả và khuyến mãi bằng cách tăng cường việc giảm giá sản phẩm hoặc cung cấp mã giảm giá cho khách hàng mới. Ngoài ra, công ty có thể tạo ra các gói combo sản phẩm với giá ưu đãi để khách hàng dễ dàng lựa chọn và mua hàng</a:t>
+            </a:r>
+            <a:r>
+              <a:rPr lang="vi-VN" sz="1200" dirty="0" smtClean="0">
+                <a:solidFill>
+                  <a:srgbClr val="050E17"/>
+                </a:solidFill>
+                <a:latin typeface="Fira Sans Extra Condensed Medium" panose="020B0604020202020204" charset="0"/>
+              </a:rPr>
+              <a:t>.</a:t>
+            </a:r>
+            <a:endParaRPr lang="en-US" sz="1200" dirty="0" smtClean="0">
+              <a:solidFill>
+                <a:srgbClr val="050E17"/>
+              </a:solidFill>
+              <a:latin typeface="Fira Sans Extra Condensed Medium" panose="020B0604020202020204" charset="0"/>
+            </a:endParaRPr>
+          </a:p>
+          <a:p>
+            <a:pPr marL="228600" indent="-228600" algn="just">
+              <a:buFont typeface="+mj-lt"/>
+              <a:buAutoNum type="arabicPeriod"/>
+            </a:pPr>
+            <a:endParaRPr lang="vi-VN" sz="1200" dirty="0">
+              <a:solidFill>
+                <a:srgbClr val="050E17"/>
+              </a:solidFill>
+              <a:latin typeface="Fira Sans Extra Condensed Medium" panose="020B0604020202020204" charset="0"/>
+            </a:endParaRPr>
+          </a:p>
+          <a:p>
+            <a:pPr algn="just">
+              <a:buFont typeface="+mj-lt"/>
+              <a:buAutoNum type="arabicPeriod"/>
+            </a:pPr>
+            <a:r>
+              <a:rPr lang="vi-VN" sz="1200" dirty="0">
+                <a:solidFill>
+                  <a:srgbClr val="050E17"/>
+                </a:solidFill>
+                <a:latin typeface="Fira Sans Extra Condensed Medium" panose="020B0604020202020204" charset="0"/>
+              </a:rPr>
+              <a:t>Tăng cường quảng cáo và chăm sóc khách hàng đối với những khách hàng có giá trị cao trong phân tích RFM: Để duy trì và tăng cường mức độ trung thành của những khách hàng có giá trị cao, công ty có thể tăng cường quảng cáo và chăm sóc khách hàng bằng cách cung cấp dịch vụ chăm sóc khách hàng chuyên nghiệp và giải đáp thắc mắc của khách hàng nhanh chóng. Hơn nữa, công ty có thể gửi thư cảm ơn và giảm giá sản phẩm cho những khách hàng có giá trị cao để tạo động lực và duy trì mức độ trung thành của họ</a:t>
+            </a:r>
+            <a:r>
+              <a:rPr lang="vi-VN" sz="1200" dirty="0" smtClean="0">
+                <a:solidFill>
+                  <a:srgbClr val="050E17"/>
+                </a:solidFill>
+                <a:latin typeface="Fira Sans Extra Condensed Medium" panose="020B0604020202020204" charset="0"/>
+              </a:rPr>
+              <a:t>.</a:t>
+            </a:r>
+          </a:p>
+          <a:p>
+            <a:pPr marL="228600" indent="-228600" algn="just">
+              <a:buFont typeface="+mj-lt"/>
+              <a:buAutoNum type="arabicPeriod"/>
+            </a:pPr>
+            <a:endParaRPr lang="vi-VN" sz="1200" dirty="0" smtClean="0">
+              <a:solidFill>
+                <a:srgbClr val="050E17"/>
+              </a:solidFill>
+              <a:latin typeface="Fira Sans Extra Condensed Medium" panose="020B0604020202020204" charset="0"/>
+            </a:endParaRPr>
+          </a:p>
+          <a:p>
+            <a:pPr algn="just">
+              <a:buFont typeface="+mj-lt"/>
+              <a:buAutoNum type="arabicPeriod"/>
+            </a:pPr>
+            <a:r>
+              <a:rPr lang="vi-VN" sz="1200" dirty="0" smtClean="0">
+                <a:solidFill>
+                  <a:srgbClr val="050E17"/>
+                </a:solidFill>
+                <a:latin typeface="Fira Sans Extra Condensed Medium" panose="020B0604020202020204" charset="0"/>
+              </a:rPr>
+              <a:t>Phát triển kênh bán hàng trực tuyến: Với xu hướng mua sắm trực tuyến ngày càng tăng, công ty có thể phát triển kênh bán hàng trực tuyến để thu hút khách hàng mới và tăng cường mức độ tiện lợi cho khách hàng. Ngoài ra, công ty cần tăng cường khả năng quản lý và cập nhật thông tin sản phẩm trên website để khách hàng dễ dàng tìm kiếm và mua hàng.</a:t>
+            </a:r>
+            <a:endParaRPr lang="en-US" sz="1200" dirty="0" smtClean="0">
+              <a:solidFill>
+                <a:srgbClr val="050E17"/>
+              </a:solidFill>
+              <a:latin typeface="Fira Sans Extra Condensed Medium" panose="020B0604020202020204" charset="0"/>
+            </a:endParaRPr>
+          </a:p>
+          <a:p>
+            <a:pPr marL="228600" indent="-228600" algn="just">
+              <a:buFont typeface="+mj-lt"/>
+              <a:buAutoNum type="arabicPeriod"/>
+            </a:pPr>
+            <a:endParaRPr lang="vi-VN" sz="1200" dirty="0" smtClean="0">
+              <a:solidFill>
+                <a:srgbClr val="050E17"/>
+              </a:solidFill>
+              <a:latin typeface="Fira Sans Extra Condensed Medium" panose="020B0604020202020204" charset="0"/>
+            </a:endParaRPr>
+          </a:p>
+          <a:p>
+            <a:pPr algn="just">
+              <a:buFont typeface="+mj-lt"/>
+              <a:buAutoNum type="arabicPeriod"/>
+            </a:pPr>
+            <a:r>
+              <a:rPr lang="vi-VN" sz="1200" dirty="0" smtClean="0">
+                <a:solidFill>
+                  <a:srgbClr val="050E17"/>
+                </a:solidFill>
+                <a:latin typeface="Fira Sans Extra Condensed Medium" panose="020B0604020202020204" charset="0"/>
+              </a:rPr>
+              <a:t>Tối ưu hóa quản lý hàng tồn kho: Công ty có thể tối ưu hóa quản lý hàng tồn kho bằng cách áp dụng phương pháp quản lý chuỗi cung ứng (Supply Chain Management) để giảm thiểu chi phí và tăng hiệu quả kinh doanh. Ngoài ra, công ty cần đưa ra các chính sách khuyến khích khách hàng mua những sản phẩm có xu hướng tồn kho lâu bằng cách giảm giá hoặc cung cấp các ưu đãi đặc biệt.</a:t>
+            </a:r>
+            <a:endParaRPr lang="en-US" sz="1200" dirty="0" smtClean="0">
+              <a:solidFill>
+                <a:srgbClr val="050E17"/>
+              </a:solidFill>
+              <a:latin typeface="Fira Sans Extra Condensed Medium" panose="020B0604020202020204" charset="0"/>
+            </a:endParaRPr>
+          </a:p>
+          <a:p>
+            <a:pPr marL="228600" indent="-228600" algn="just">
+              <a:buFont typeface="+mj-lt"/>
+              <a:buAutoNum type="arabicPeriod"/>
+            </a:pPr>
+            <a:endParaRPr lang="vi-VN" sz="1200" dirty="0" smtClean="0">
+              <a:solidFill>
+                <a:srgbClr val="050E17"/>
+              </a:solidFill>
+              <a:latin typeface="Fira Sans Extra Condensed Medium" panose="020B0604020202020204" charset="0"/>
+            </a:endParaRPr>
+          </a:p>
+          <a:p>
+            <a:pPr algn="just">
+              <a:buFont typeface="+mj-lt"/>
+              <a:buAutoNum type="arabicPeriod"/>
+            </a:pPr>
+            <a:r>
+              <a:rPr lang="vi-VN" sz="1200" dirty="0" smtClean="0">
+                <a:solidFill>
+                  <a:srgbClr val="050E17"/>
+                </a:solidFill>
+                <a:latin typeface="Fira Sans Extra Condensed Medium" panose="020B0604020202020204" charset="0"/>
+              </a:rPr>
+              <a:t>Tăng cường khả năng xử lý đơn hàng và giao hàng nhanh chóng: Để cải thiện trải nghiệm của khách hàng và tăng cường mức độ trung thành của họ, công ty cần tăng cường khả năng xử lý đơn hàng và giao hàng nhanh chóng bằng cách áp dụng công nghệ tiên tiến trong quản lý và vận chuyển hàng hóa. Ngoài ra, công ty cần thông báo cho khách hàng về thời gian giao hàng dự kiến và cung cấp thông tin vận chuyển của đơn hàng để khách hàng có thể theo dõi và kiểm tra trạng thái đơn hàng một cách dễ dàng.</a:t>
+            </a:r>
+            <a:endParaRPr lang="vi-VN" sz="1200" dirty="0">
+              <a:solidFill>
+                <a:srgbClr val="050E17"/>
+              </a:solidFill>
+              <a:latin typeface="Fira Sans Extra Condensed Medium" panose="020B0604020202020204" charset="0"/>
+            </a:endParaRPr>
+          </a:p>
+        </p:txBody>
+      </p:sp>
+    </p:spTree>
+    <p:extLst>
+      <p:ext uri="{BB962C8B-B14F-4D97-AF65-F5344CB8AC3E}">
+        <p14:creationId xmlns:p14="http://schemas.microsoft.com/office/powerpoint/2010/main" val="3450074898"/>
+      </p:ext>
+    </p:extLst>
+  </p:cSld>
+  <p:clrMapOvr>
+    <a:masterClrMapping/>
+  </p:clrMapOvr>
+</p:sld>
+</file>
+
+<file path=ppt/slides/slide2.xml><?xml version="1.0" encoding="utf-8"?>
+<p:sld xmlns:a="http://schemas.openxmlformats.org/drawingml/2006/main" xmlns:r="http://schemas.openxmlformats.org/officeDocument/2006/relationships" xmlns:p="http://schemas.openxmlformats.org/presentationml/2006/main">
+  <p:cSld>
+    <p:spTree>
+      <p:nvGrpSpPr>
+        <p:cNvPr id="1" name=""/>
+        <p:cNvGrpSpPr/>
+        <p:nvPr/>
+      </p:nvGrpSpPr>
+      <p:grpSpPr>
+        <a:xfrm>
+          <a:off x="0" y="0"/>
+          <a:ext cx="0" cy="0"/>
+          <a:chOff x="0" y="0"/>
+          <a:chExt cx="0" cy="0"/>
+        </a:xfrm>
+      </p:grpSpPr>
+      <p:sp>
+        <p:nvSpPr>
+          <p:cNvPr id="5" name="Rounded Rectangle 4"/>
+          <p:cNvSpPr/>
+          <p:nvPr/>
+        </p:nvSpPr>
+        <p:spPr>
+          <a:xfrm>
+            <a:off x="1936932" y="1325563"/>
+            <a:ext cx="3122342" cy="1830232"/>
+          </a:xfrm>
+          <a:prstGeom prst="roundRect">
+            <a:avLst/>
+          </a:prstGeom>
+        </p:spPr>
+        <p:style>
+          <a:lnRef idx="2">
+            <a:schemeClr val="accent1">
+              <a:shade val="50000"/>
+            </a:schemeClr>
+          </a:lnRef>
+          <a:fillRef idx="1">
+            <a:schemeClr val="accent1"/>
+          </a:fillRef>
+          <a:effectRef idx="0">
+            <a:schemeClr val="accent1"/>
+          </a:effectRef>
+          <a:fontRef idx="minor">
+            <a:schemeClr val="lt1"/>
+          </a:fontRef>
+        </p:style>
+        <p:txBody>
+          <a:bodyPr rtlCol="0" anchor="ctr"/>
+          <a:lstStyle/>
+          <a:p>
+            <a:pPr algn="ctr"/>
+            <a:r>
+              <a:rPr lang="en-US" sz="3600" dirty="0" smtClean="0">
+                <a:latin typeface="Fira Sans Extra Condensed Medium" panose="020B0604020202020204" charset="0"/>
+              </a:rPr>
+              <a:t>541,909</a:t>
+            </a:r>
+          </a:p>
+          <a:p>
+            <a:pPr algn="ctr"/>
+            <a:r>
+              <a:rPr lang="en-US" sz="3600" dirty="0" err="1" smtClean="0">
+                <a:latin typeface="Fira Sans Extra Condensed Medium" panose="020B0604020202020204" charset="0"/>
+              </a:rPr>
+              <a:t>Bản</a:t>
+            </a:r>
+            <a:r>
+              <a:rPr lang="en-US" sz="3600" dirty="0" smtClean="0">
+                <a:latin typeface="Fira Sans Extra Condensed Medium" panose="020B0604020202020204" charset="0"/>
+              </a:rPr>
+              <a:t> </a:t>
+            </a:r>
+            <a:r>
+              <a:rPr lang="en-US" sz="3600" dirty="0" err="1" smtClean="0">
+                <a:latin typeface="Fira Sans Extra Condensed Medium" panose="020B0604020202020204" charset="0"/>
+              </a:rPr>
+              <a:t>ghi</a:t>
+            </a:r>
+            <a:endParaRPr lang="en-US" dirty="0">
+              <a:latin typeface="Fira Sans Extra Condensed Medium" panose="020B0604020202020204" charset="0"/>
+            </a:endParaRPr>
+          </a:p>
+        </p:txBody>
+      </p:sp>
+      <p:sp>
+        <p:nvSpPr>
+          <p:cNvPr id="6" name="TextBox 5"/>
+          <p:cNvSpPr txBox="1"/>
+          <p:nvPr/>
+        </p:nvSpPr>
+        <p:spPr>
+          <a:xfrm>
+            <a:off x="5541818" y="1325563"/>
+            <a:ext cx="3475759" cy="2031325"/>
+          </a:xfrm>
+          <a:prstGeom prst="rect">
+            <a:avLst/>
+          </a:prstGeom>
+          <a:noFill/>
+        </p:spPr>
+        <p:txBody>
+          <a:bodyPr wrap="square" rtlCol="0">
+            <a:spAutoFit/>
+          </a:bodyPr>
+          <a:lstStyle/>
+          <a:p>
+            <a:r>
+              <a:rPr lang="en-US" dirty="0" err="1">
+                <a:latin typeface="Fira Sans Extra Condensed Medium" panose="020B0604020202020204" charset="0"/>
+              </a:rPr>
+              <a:t>Các</a:t>
+            </a:r>
+            <a:r>
+              <a:rPr lang="en-US" dirty="0">
+                <a:latin typeface="Fira Sans Extra Condensed Medium" panose="020B0604020202020204" charset="0"/>
+              </a:rPr>
+              <a:t> </a:t>
+            </a:r>
+            <a:r>
+              <a:rPr lang="en-US" dirty="0" err="1">
+                <a:latin typeface="Fira Sans Extra Condensed Medium" panose="020B0604020202020204" charset="0"/>
+              </a:rPr>
+              <a:t>cột</a:t>
+            </a:r>
+            <a:r>
+              <a:rPr lang="en-US" dirty="0">
+                <a:latin typeface="Fira Sans Extra Condensed Medium" panose="020B0604020202020204" charset="0"/>
+              </a:rPr>
+              <a:t> </a:t>
+            </a:r>
+            <a:r>
+              <a:rPr lang="en-US" dirty="0" err="1">
+                <a:latin typeface="Fira Sans Extra Condensed Medium" panose="020B0604020202020204" charset="0"/>
+              </a:rPr>
+              <a:t>bao</a:t>
+            </a:r>
+            <a:r>
+              <a:rPr lang="en-US" dirty="0">
+                <a:latin typeface="Fira Sans Extra Condensed Medium" panose="020B0604020202020204" charset="0"/>
+              </a:rPr>
+              <a:t> </a:t>
+            </a:r>
+            <a:r>
+              <a:rPr lang="en-US" dirty="0" err="1">
+                <a:latin typeface="Fira Sans Extra Condensed Medium" panose="020B0604020202020204" charset="0"/>
+              </a:rPr>
+              <a:t>gồm</a:t>
+            </a:r>
+            <a:r>
+              <a:rPr lang="en-US" dirty="0">
+                <a:latin typeface="Fira Sans Extra Condensed Medium" panose="020B0604020202020204" charset="0"/>
+              </a:rPr>
+              <a:t>: </a:t>
+            </a:r>
+            <a:endParaRPr lang="en-US" dirty="0" smtClean="0">
+              <a:latin typeface="Fira Sans Extra Condensed Medium" panose="020B0604020202020204" charset="0"/>
+            </a:endParaRPr>
+          </a:p>
+          <a:p>
+            <a:r>
+              <a:rPr lang="en-US" dirty="0" err="1" smtClean="0">
+                <a:latin typeface="Fira Sans Extra Condensed Medium" panose="020B0604020202020204" charset="0"/>
+              </a:rPr>
+              <a:t>InvoiceNo</a:t>
+            </a:r>
+            <a:r>
+              <a:rPr lang="en-US" dirty="0">
+                <a:latin typeface="Fira Sans Extra Condensed Medium" panose="020B0604020202020204" charset="0"/>
+              </a:rPr>
+              <a:t>, </a:t>
+            </a:r>
+            <a:endParaRPr lang="en-US" dirty="0" smtClean="0">
+              <a:latin typeface="Fira Sans Extra Condensed Medium" panose="020B0604020202020204" charset="0"/>
+            </a:endParaRPr>
+          </a:p>
+          <a:p>
+            <a:r>
+              <a:rPr lang="en-US" dirty="0" err="1" smtClean="0">
+                <a:latin typeface="Fira Sans Extra Condensed Medium" panose="020B0604020202020204" charset="0"/>
+              </a:rPr>
+              <a:t>StockCode</a:t>
+            </a:r>
+            <a:r>
+              <a:rPr lang="en-US" dirty="0">
+                <a:latin typeface="Fira Sans Extra Condensed Medium" panose="020B0604020202020204" charset="0"/>
+              </a:rPr>
+              <a:t>, </a:t>
+            </a:r>
+            <a:endParaRPr lang="en-US" dirty="0" smtClean="0">
+              <a:latin typeface="Fira Sans Extra Condensed Medium" panose="020B0604020202020204" charset="0"/>
+            </a:endParaRPr>
+          </a:p>
+          <a:p>
+            <a:r>
+              <a:rPr lang="en-US" dirty="0" smtClean="0">
+                <a:latin typeface="Fira Sans Extra Condensed Medium" panose="020B0604020202020204" charset="0"/>
+              </a:rPr>
+              <a:t>Description</a:t>
+            </a:r>
+            <a:r>
+              <a:rPr lang="en-US" dirty="0">
+                <a:latin typeface="Fira Sans Extra Condensed Medium" panose="020B0604020202020204" charset="0"/>
+              </a:rPr>
+              <a:t>, </a:t>
+            </a:r>
+            <a:endParaRPr lang="en-US" dirty="0" smtClean="0">
+              <a:latin typeface="Fira Sans Extra Condensed Medium" panose="020B0604020202020204" charset="0"/>
+            </a:endParaRPr>
+          </a:p>
+          <a:p>
+            <a:r>
+              <a:rPr lang="en-US" dirty="0" smtClean="0">
+                <a:latin typeface="Fira Sans Extra Condensed Medium" panose="020B0604020202020204" charset="0"/>
+              </a:rPr>
+              <a:t>Quantity</a:t>
+            </a:r>
+            <a:r>
+              <a:rPr lang="en-US" dirty="0">
+                <a:latin typeface="Fira Sans Extra Condensed Medium" panose="020B0604020202020204" charset="0"/>
+              </a:rPr>
+              <a:t>, </a:t>
+            </a:r>
+            <a:endParaRPr lang="en-US" dirty="0" smtClean="0">
+              <a:latin typeface="Fira Sans Extra Condensed Medium" panose="020B0604020202020204" charset="0"/>
+            </a:endParaRPr>
+          </a:p>
+          <a:p>
+            <a:r>
+              <a:rPr lang="en-US" dirty="0" err="1" smtClean="0">
+                <a:latin typeface="Fira Sans Extra Condensed Medium" panose="020B0604020202020204" charset="0"/>
+              </a:rPr>
+              <a:t>InvoiceDate</a:t>
+            </a:r>
+            <a:r>
+              <a:rPr lang="en-US" dirty="0">
+                <a:latin typeface="Fira Sans Extra Condensed Medium" panose="020B0604020202020204" charset="0"/>
+              </a:rPr>
+              <a:t>, </a:t>
+            </a:r>
+            <a:endParaRPr lang="en-US" dirty="0" smtClean="0">
+              <a:latin typeface="Fira Sans Extra Condensed Medium" panose="020B0604020202020204" charset="0"/>
+            </a:endParaRPr>
+          </a:p>
+          <a:p>
+            <a:r>
+              <a:rPr lang="en-US" dirty="0" err="1" smtClean="0">
+                <a:latin typeface="Fira Sans Extra Condensed Medium" panose="020B0604020202020204" charset="0"/>
+              </a:rPr>
+              <a:t>UnitPrice</a:t>
+            </a:r>
+            <a:r>
+              <a:rPr lang="en-US" dirty="0">
+                <a:latin typeface="Fira Sans Extra Condensed Medium" panose="020B0604020202020204" charset="0"/>
+              </a:rPr>
+              <a:t>, </a:t>
+            </a:r>
+            <a:endParaRPr lang="en-US" dirty="0" smtClean="0">
+              <a:latin typeface="Fira Sans Extra Condensed Medium" panose="020B0604020202020204" charset="0"/>
+            </a:endParaRPr>
+          </a:p>
+          <a:p>
+            <a:r>
+              <a:rPr lang="en-US" dirty="0" err="1" smtClean="0">
+                <a:latin typeface="Fira Sans Extra Condensed Medium" panose="020B0604020202020204" charset="0"/>
+              </a:rPr>
+              <a:t>CustomerID</a:t>
+            </a:r>
+            <a:r>
+              <a:rPr lang="en-US" dirty="0">
+                <a:latin typeface="Fira Sans Extra Condensed Medium" panose="020B0604020202020204" charset="0"/>
+              </a:rPr>
+              <a:t>, </a:t>
+            </a:r>
+            <a:endParaRPr lang="en-US" dirty="0" smtClean="0">
+              <a:latin typeface="Fira Sans Extra Condensed Medium" panose="020B0604020202020204" charset="0"/>
+            </a:endParaRPr>
+          </a:p>
+          <a:p>
+            <a:r>
+              <a:rPr lang="en-US" dirty="0" smtClean="0">
+                <a:latin typeface="Fira Sans Extra Condensed Medium" panose="020B0604020202020204" charset="0"/>
+              </a:rPr>
+              <a:t>Country</a:t>
+            </a:r>
+            <a:endParaRPr lang="en-US" dirty="0">
+              <a:latin typeface="Fira Sans Extra Condensed Medium" panose="020B0604020202020204" charset="0"/>
+            </a:endParaRPr>
+          </a:p>
+        </p:txBody>
+      </p:sp>
+    </p:spTree>
+    <p:extLst>
+      <p:ext uri="{BB962C8B-B14F-4D97-AF65-F5344CB8AC3E}">
+        <p14:creationId xmlns:p14="http://schemas.microsoft.com/office/powerpoint/2010/main" val="2272865980"/>
+      </p:ext>
+    </p:extLst>
+  </p:cSld>
+  <p:clrMapOvr>
+    <a:masterClrMapping/>
+  </p:clrMapOvr>
+</p:sld>
+</file>
+
+<file path=ppt/slides/slide3.xml><?xml version="1.0" encoding="utf-8"?>
+<p:sld xmlns:a="http://schemas.openxmlformats.org/drawingml/2006/main" xmlns:r="http://schemas.openxmlformats.org/officeDocument/2006/relationships" xmlns:p="http://schemas.openxmlformats.org/presentationml/2006/main">
+  <p:cSld>
+    <p:spTree>
+      <p:nvGrpSpPr>
+        <p:cNvPr id="1" name=""/>
+        <p:cNvGrpSpPr/>
+        <p:nvPr/>
+      </p:nvGrpSpPr>
+      <p:grpSpPr>
+        <a:xfrm>
+          <a:off x="0" y="0"/>
+          <a:ext cx="0" cy="0"/>
+          <a:chOff x="0" y="0"/>
+          <a:chExt cx="0" cy="0"/>
+        </a:xfrm>
+      </p:grpSpPr>
+      <p:sp>
+        <p:nvSpPr>
+          <p:cNvPr id="3" name="Rounded Rectangle 2"/>
+          <p:cNvSpPr/>
+          <p:nvPr/>
+        </p:nvSpPr>
+        <p:spPr>
+          <a:xfrm>
+            <a:off x="935182" y="1498744"/>
+            <a:ext cx="2930236" cy="905020"/>
+          </a:xfrm>
+          <a:prstGeom prst="roundRect">
+            <a:avLst/>
+          </a:prstGeom>
+        </p:spPr>
+        <p:style>
+          <a:lnRef idx="2">
+            <a:schemeClr val="accent1">
+              <a:shade val="50000"/>
+            </a:schemeClr>
+          </a:lnRef>
+          <a:fillRef idx="1">
+            <a:schemeClr val="accent1"/>
+          </a:fillRef>
+          <a:effectRef idx="0">
+            <a:schemeClr val="accent1"/>
+          </a:effectRef>
+          <a:fontRef idx="minor">
+            <a:schemeClr val="lt1"/>
+          </a:fontRef>
+        </p:style>
+        <p:txBody>
+          <a:bodyPr rtlCol="0" anchor="ctr"/>
+          <a:lstStyle/>
+          <a:p>
+            <a:pPr algn="ctr"/>
+            <a:endParaRPr lang="en-US"/>
+          </a:p>
+        </p:txBody>
+      </p:sp>
+      <p:sp>
+        <p:nvSpPr>
+          <p:cNvPr id="4" name="Rounded Rectangle 3"/>
+          <p:cNvSpPr/>
+          <p:nvPr/>
+        </p:nvSpPr>
+        <p:spPr>
+          <a:xfrm>
+            <a:off x="5403273" y="1498744"/>
+            <a:ext cx="2930236" cy="905020"/>
+          </a:xfrm>
+          <a:prstGeom prst="roundRect">
+            <a:avLst/>
+          </a:prstGeom>
+        </p:spPr>
+        <p:style>
+          <a:lnRef idx="2">
+            <a:schemeClr val="accent1">
+              <a:shade val="50000"/>
+            </a:schemeClr>
+          </a:lnRef>
+          <a:fillRef idx="1">
+            <a:schemeClr val="accent1"/>
+          </a:fillRef>
+          <a:effectRef idx="0">
+            <a:schemeClr val="accent1"/>
+          </a:effectRef>
+          <a:fontRef idx="minor">
+            <a:schemeClr val="lt1"/>
+          </a:fontRef>
+        </p:style>
+        <p:txBody>
+          <a:bodyPr rtlCol="0" anchor="ctr"/>
+          <a:lstStyle/>
+          <a:p>
+            <a:pPr algn="ctr"/>
+            <a:endParaRPr lang="en-US"/>
+          </a:p>
+        </p:txBody>
+      </p:sp>
+      <p:sp>
+        <p:nvSpPr>
+          <p:cNvPr id="5" name="Rounded Rectangle 4"/>
+          <p:cNvSpPr/>
+          <p:nvPr/>
+        </p:nvSpPr>
+        <p:spPr>
+          <a:xfrm>
+            <a:off x="935182" y="2898053"/>
+            <a:ext cx="2930236" cy="905020"/>
+          </a:xfrm>
+          <a:prstGeom prst="roundRect">
+            <a:avLst/>
+          </a:prstGeom>
+        </p:spPr>
+        <p:style>
+          <a:lnRef idx="2">
+            <a:schemeClr val="accent1">
+              <a:shade val="50000"/>
+            </a:schemeClr>
+          </a:lnRef>
+          <a:fillRef idx="1">
+            <a:schemeClr val="accent1"/>
+          </a:fillRef>
+          <a:effectRef idx="0">
+            <a:schemeClr val="accent1"/>
+          </a:effectRef>
+          <a:fontRef idx="minor">
+            <a:schemeClr val="lt1"/>
+          </a:fontRef>
+        </p:style>
+        <p:txBody>
+          <a:bodyPr rtlCol="0" anchor="ctr"/>
+          <a:lstStyle/>
+          <a:p>
+            <a:pPr algn="ctr"/>
+            <a:endParaRPr lang="en-US"/>
+          </a:p>
+        </p:txBody>
+      </p:sp>
+      <p:sp>
+        <p:nvSpPr>
+          <p:cNvPr id="6" name="Rounded Rectangle 5"/>
+          <p:cNvSpPr/>
+          <p:nvPr/>
+        </p:nvSpPr>
+        <p:spPr>
+          <a:xfrm>
+            <a:off x="5403273" y="2898053"/>
+            <a:ext cx="2930236" cy="905020"/>
+          </a:xfrm>
+          <a:prstGeom prst="roundRect">
+            <a:avLst/>
+          </a:prstGeom>
+        </p:spPr>
+        <p:style>
+          <a:lnRef idx="2">
+            <a:schemeClr val="accent1">
+              <a:shade val="50000"/>
+            </a:schemeClr>
+          </a:lnRef>
+          <a:fillRef idx="1">
+            <a:schemeClr val="accent1"/>
+          </a:fillRef>
+          <a:effectRef idx="0">
+            <a:schemeClr val="accent1"/>
+          </a:effectRef>
+          <a:fontRef idx="minor">
+            <a:schemeClr val="lt1"/>
+          </a:fontRef>
+        </p:style>
+        <p:txBody>
+          <a:bodyPr rtlCol="0" anchor="ctr"/>
+          <a:lstStyle/>
+          <a:p>
+            <a:pPr algn="ctr"/>
+            <a:endParaRPr lang="en-US"/>
+          </a:p>
+        </p:txBody>
+      </p:sp>
+    </p:spTree>
+    <p:extLst>
+      <p:ext uri="{BB962C8B-B14F-4D97-AF65-F5344CB8AC3E}">
+        <p14:creationId xmlns:p14="http://schemas.microsoft.com/office/powerpoint/2010/main" val="38740582"/>
+      </p:ext>
+    </p:extLst>
+  </p:cSld>
+  <p:clrMapOvr>
+    <a:masterClrMapping/>
+  </p:clrMapOvr>
+</p:sld>
+</file>
+
+<file path=ppt/slides/slide4.xml><?xml version="1.0" encoding="utf-8"?>
+<p:sld xmlns:a="http://schemas.openxmlformats.org/drawingml/2006/main" xmlns:r="http://schemas.openxmlformats.org/officeDocument/2006/relationships" xmlns:p="http://schemas.openxmlformats.org/presentationml/2006/main">
+  <p:cSld>
+    <p:spTree>
+      <p:nvGrpSpPr>
+        <p:cNvPr id="1" name=""/>
+        <p:cNvGrpSpPr/>
+        <p:nvPr/>
+      </p:nvGrpSpPr>
+      <p:grpSpPr>
+        <a:xfrm>
+          <a:off x="0" y="0"/>
+          <a:ext cx="0" cy="0"/>
+          <a:chOff x="0" y="0"/>
+          <a:chExt cx="0" cy="0"/>
+        </a:xfrm>
+      </p:grpSpPr>
+      <p:pic>
+        <p:nvPicPr>
+          <p:cNvPr id="3" name="Picture 2"/>
+          <p:cNvPicPr>
+            <a:picLocks noChangeAspect="1"/>
+          </p:cNvPicPr>
+          <p:nvPr/>
+        </p:nvPicPr>
+        <p:blipFill>
+          <a:blip r:embed="rId2"/>
+          <a:stretch>
+            <a:fillRect/>
+          </a:stretch>
+        </p:blipFill>
+        <p:spPr>
+          <a:xfrm>
+            <a:off x="310474" y="1173896"/>
+            <a:ext cx="4261526" cy="2410968"/>
+          </a:xfrm>
+          <a:prstGeom prst="rect">
+            <a:avLst/>
+          </a:prstGeom>
+        </p:spPr>
+      </p:pic>
+      <p:pic>
+        <p:nvPicPr>
+          <p:cNvPr id="4" name="Picture 3"/>
+          <p:cNvPicPr>
+            <a:picLocks noChangeAspect="1"/>
+          </p:cNvPicPr>
+          <p:nvPr/>
+        </p:nvPicPr>
+        <p:blipFill>
+          <a:blip r:embed="rId3"/>
+          <a:stretch>
+            <a:fillRect/>
+          </a:stretch>
+        </p:blipFill>
+        <p:spPr>
+          <a:xfrm>
+            <a:off x="4661493" y="1170848"/>
+            <a:ext cx="4291135" cy="2414016"/>
+          </a:xfrm>
+          <a:prstGeom prst="rect">
+            <a:avLst/>
+          </a:prstGeom>
+        </p:spPr>
+      </p:pic>
+    </p:spTree>
+    <p:extLst>
+      <p:ext uri="{BB962C8B-B14F-4D97-AF65-F5344CB8AC3E}">
+        <p14:creationId xmlns:p14="http://schemas.microsoft.com/office/powerpoint/2010/main" val="1268486123"/>
+      </p:ext>
+    </p:extLst>
+  </p:cSld>
+  <p:clrMapOvr>
+    <a:masterClrMapping/>
+  </p:clrMapOvr>
+</p:sld>
+</file>
+
+<file path=ppt/slides/slide5.xml><?xml version="1.0" encoding="utf-8"?>
+<p:sld xmlns:a="http://schemas.openxmlformats.org/drawingml/2006/main" xmlns:r="http://schemas.openxmlformats.org/officeDocument/2006/relationships" xmlns:p="http://schemas.openxmlformats.org/presentationml/2006/main">
+  <p:cSld>
+    <p:spTree>
+      <p:nvGrpSpPr>
+        <p:cNvPr id="1" name=""/>
+        <p:cNvGrpSpPr/>
+        <p:nvPr/>
+      </p:nvGrpSpPr>
+      <p:grpSpPr>
+        <a:xfrm>
+          <a:off x="0" y="0"/>
+          <a:ext cx="0" cy="0"/>
+          <a:chOff x="0" y="0"/>
+          <a:chExt cx="0" cy="0"/>
+        </a:xfrm>
+      </p:grpSpPr>
+      <p:pic>
+        <p:nvPicPr>
+          <p:cNvPr id="3" name="Picture 2"/>
+          <p:cNvPicPr>
+            <a:picLocks noChangeAspect="1"/>
+          </p:cNvPicPr>
+          <p:nvPr/>
+        </p:nvPicPr>
+        <p:blipFill rotWithShape="1">
+          <a:blip r:embed="rId2"/>
+          <a:srcRect t="3322"/>
+          <a:stretch/>
+        </p:blipFill>
+        <p:spPr>
+          <a:xfrm>
+            <a:off x="591312" y="1009581"/>
+            <a:ext cx="5543892" cy="2911532"/>
+          </a:xfrm>
+          <a:prstGeom prst="rect">
+            <a:avLst/>
+          </a:prstGeom>
+        </p:spPr>
+      </p:pic>
+    </p:spTree>
+    <p:extLst>
+      <p:ext uri="{BB962C8B-B14F-4D97-AF65-F5344CB8AC3E}">
+        <p14:creationId xmlns:p14="http://schemas.microsoft.com/office/powerpoint/2010/main" val="2539655292"/>
+      </p:ext>
+    </p:extLst>
+  </p:cSld>
+  <p:clrMapOvr>
+    <a:masterClrMapping/>
+  </p:clrMapOvr>
+</p:sld>
+</file>
+
+<file path=ppt/slides/slide6.xml><?xml version="1.0" encoding="utf-8"?>
+<p:sld xmlns:a="http://schemas.openxmlformats.org/drawingml/2006/main" xmlns:r="http://schemas.openxmlformats.org/officeDocument/2006/relationships" xmlns:p="http://schemas.openxmlformats.org/presentationml/2006/main">
+  <p:cSld>
+    <p:spTree>
+      <p:nvGrpSpPr>
+        <p:cNvPr id="1" name=""/>
+        <p:cNvGrpSpPr/>
+        <p:nvPr/>
+      </p:nvGrpSpPr>
+      <p:grpSpPr>
+        <a:xfrm>
+          <a:off x="0" y="0"/>
+          <a:ext cx="0" cy="0"/>
+          <a:chOff x="0" y="0"/>
+          <a:chExt cx="0" cy="0"/>
+        </a:xfrm>
+      </p:grpSpPr>
+      <p:pic>
+        <p:nvPicPr>
+          <p:cNvPr id="3" name="Picture 2"/>
+          <p:cNvPicPr>
+            <a:picLocks noChangeAspect="1"/>
+          </p:cNvPicPr>
+          <p:nvPr/>
+        </p:nvPicPr>
+        <p:blipFill rotWithShape="1">
+          <a:blip r:embed="rId2"/>
+          <a:srcRect t="3596"/>
+          <a:stretch/>
+        </p:blipFill>
+        <p:spPr>
+          <a:xfrm>
+            <a:off x="608007" y="1110302"/>
+            <a:ext cx="5237181" cy="2803207"/>
+          </a:xfrm>
+          <a:prstGeom prst="rect">
+            <a:avLst/>
+          </a:prstGeom>
+        </p:spPr>
+      </p:pic>
+    </p:spTree>
+    <p:extLst>
+      <p:ext uri="{BB962C8B-B14F-4D97-AF65-F5344CB8AC3E}">
+        <p14:creationId xmlns:p14="http://schemas.microsoft.com/office/powerpoint/2010/main" val="2264418743"/>
+      </p:ext>
+    </p:extLst>
+  </p:cSld>
+  <p:clrMapOvr>
+    <a:masterClrMapping/>
+  </p:clrMapOvr>
+</p:sld>
+</file>
+
+<file path=ppt/slides/slide7.xml><?xml version="1.0" encoding="utf-8"?>
+<p:sld xmlns:a="http://schemas.openxmlformats.org/drawingml/2006/main" xmlns:r="http://schemas.openxmlformats.org/officeDocument/2006/relationships" xmlns:p="http://schemas.openxmlformats.org/presentationml/2006/main">
+  <p:cSld>
+    <p:spTree>
+      <p:nvGrpSpPr>
+        <p:cNvPr id="1" name=""/>
+        <p:cNvGrpSpPr/>
+        <p:nvPr/>
+      </p:nvGrpSpPr>
+      <p:grpSpPr>
+        <a:xfrm>
+          <a:off x="0" y="0"/>
+          <a:ext cx="0" cy="0"/>
+          <a:chOff x="0" y="0"/>
+          <a:chExt cx="0" cy="0"/>
+        </a:xfrm>
+      </p:grpSpPr>
+      <p:pic>
+        <p:nvPicPr>
+          <p:cNvPr id="3" name="Picture 2"/>
+          <p:cNvPicPr>
+            <a:picLocks noChangeAspect="1"/>
+          </p:cNvPicPr>
+          <p:nvPr/>
+        </p:nvPicPr>
+        <p:blipFill>
+          <a:blip r:embed="rId2"/>
+          <a:stretch>
+            <a:fillRect/>
+          </a:stretch>
+        </p:blipFill>
+        <p:spPr>
+          <a:xfrm>
+            <a:off x="204787" y="914400"/>
+            <a:ext cx="5375311" cy="2871216"/>
+          </a:xfrm>
+          <a:prstGeom prst="rect">
+            <a:avLst/>
+          </a:prstGeom>
+        </p:spPr>
+      </p:pic>
+    </p:spTree>
+    <p:extLst>
+      <p:ext uri="{BB962C8B-B14F-4D97-AF65-F5344CB8AC3E}">
+        <p14:creationId xmlns:p14="http://schemas.microsoft.com/office/powerpoint/2010/main" val="3695935200"/>
+      </p:ext>
+    </p:extLst>
+  </p:cSld>
+  <p:clrMapOvr>
+    <a:masterClrMapping/>
+  </p:clrMapOvr>
+</p:sld>
+</file>
+
+<file path=ppt/slides/slide8.xml><?xml version="1.0" encoding="utf-8"?>
+<p:sld xmlns:a="http://schemas.openxmlformats.org/drawingml/2006/main" xmlns:r="http://schemas.openxmlformats.org/officeDocument/2006/relationships" xmlns:p="http://schemas.openxmlformats.org/presentationml/2006/main">
+  <p:cSld>
+    <p:spTree>
+      <p:nvGrpSpPr>
+        <p:cNvPr id="1" name=""/>
+        <p:cNvGrpSpPr/>
+        <p:nvPr/>
+      </p:nvGrpSpPr>
+      <p:grpSpPr>
+        <a:xfrm>
+          <a:off x="0" y="0"/>
+          <a:ext cx="0" cy="0"/>
+          <a:chOff x="0" y="0"/>
+          <a:chExt cx="0" cy="0"/>
+        </a:xfrm>
+      </p:grpSpPr>
+      <p:pic>
+        <p:nvPicPr>
+          <p:cNvPr id="3" name="Picture 2"/>
+          <p:cNvPicPr>
+            <a:picLocks noChangeAspect="1"/>
+          </p:cNvPicPr>
+          <p:nvPr/>
+        </p:nvPicPr>
+        <p:blipFill>
+          <a:blip r:embed="rId2"/>
+          <a:stretch>
+            <a:fillRect/>
+          </a:stretch>
+        </p:blipFill>
+        <p:spPr>
+          <a:xfrm>
+            <a:off x="674110" y="851188"/>
+            <a:ext cx="5278792" cy="2871216"/>
+          </a:xfrm>
+          <a:prstGeom prst="rect">
+            <a:avLst/>
+          </a:prstGeom>
+        </p:spPr>
+      </p:pic>
+    </p:spTree>
+    <p:extLst>
+      <p:ext uri="{BB962C8B-B14F-4D97-AF65-F5344CB8AC3E}">
+        <p14:creationId xmlns:p14="http://schemas.microsoft.com/office/powerpoint/2010/main" val="4080781470"/>
+      </p:ext>
+    </p:extLst>
+  </p:cSld>
+  <p:clrMapOvr>
+    <a:masterClrMapping/>
+  </p:clrMapOvr>
+</p:sld>
+</file>
+
+<file path=ppt/slides/slide9.xml><?xml version="1.0" encoding="utf-8"?>
+<p:sld xmlns:a="http://schemas.openxmlformats.org/drawingml/2006/main" xmlns:r="http://schemas.openxmlformats.org/officeDocument/2006/relationships" xmlns:p="http://schemas.openxmlformats.org/presentationml/2006/main">
+  <p:cSld>
+    <p:spTree>
+      <p:nvGrpSpPr>
+        <p:cNvPr id="1" name=""/>
+        <p:cNvGrpSpPr/>
+        <p:nvPr/>
+      </p:nvGrpSpPr>
+      <p:grpSpPr>
+        <a:xfrm>
+          <a:off x="0" y="0"/>
+          <a:ext cx="0" cy="0"/>
+          <a:chOff x="0" y="0"/>
+          <a:chExt cx="0" cy="0"/>
+        </a:xfrm>
+      </p:grpSpPr>
+      <p:pic>
+        <p:nvPicPr>
+          <p:cNvPr id="3" name="Picture 2"/>
+          <p:cNvPicPr>
+            <a:picLocks noChangeAspect="1"/>
+          </p:cNvPicPr>
+          <p:nvPr/>
+        </p:nvPicPr>
+        <p:blipFill rotWithShape="1">
+          <a:blip r:embed="rId2"/>
+          <a:srcRect t="3636"/>
+          <a:stretch/>
+        </p:blipFill>
+        <p:spPr>
+          <a:xfrm>
+            <a:off x="583189" y="903039"/>
+            <a:ext cx="5684705" cy="2802064"/>
+          </a:xfrm>
+          <a:prstGeom prst="rect">
+            <a:avLst/>
+          </a:prstGeom>
+        </p:spPr>
+      </p:pic>
+    </p:spTree>
+    <p:extLst>
+      <p:ext uri="{BB962C8B-B14F-4D97-AF65-F5344CB8AC3E}">
+        <p14:creationId xmlns:p14="http://schemas.microsoft.com/office/powerpoint/2010/main" val="2797564580"/>
+      </p:ext>
+    </p:extLst>
+  </p:cSld>
+  <p:clrMapOvr>
+    <a:masterClrMapping/>
+  </p:clrMapOvr>
 </p:sld>
 </file>
 
